--- a/Präsentation.pptx
+++ b/Präsentation.pptx
@@ -5,24 +5,25 @@
     <p:sldMasterId id="2147483648" r:id="rId4"/>
   </p:sldMasterIdLst>
   <p:notesMasterIdLst>
-    <p:notesMasterId r:id="rId10"/>
+    <p:notesMasterId r:id="rId11"/>
   </p:notesMasterIdLst>
   <p:sldIdLst>
     <p:sldId id="256" r:id="rId5"/>
     <p:sldId id="261" r:id="rId6"/>
     <p:sldId id="264" r:id="rId7"/>
-    <p:sldId id="258" r:id="rId8"/>
-    <p:sldId id="265" r:id="rId9"/>
+    <p:sldId id="266" r:id="rId8"/>
+    <p:sldId id="258" r:id="rId9"/>
+    <p:sldId id="265" r:id="rId10"/>
   </p:sldIdLst>
   <p:sldSz cx="12192000" cy="6858000"/>
   <p:notesSz cx="6858000" cy="9144000"/>
   <p:embeddedFontLst>
     <p:embeddedFont>
       <p:font typeface="Calibri" panose="020F0502020204030204" pitchFamily="34" charset="0"/>
-      <p:regular r:id="rId11"/>
-      <p:bold r:id="rId12"/>
-      <p:italic r:id="rId13"/>
-      <p:boldItalic r:id="rId14"/>
+      <p:regular r:id="rId12"/>
+      <p:bold r:id="rId13"/>
+      <p:italic r:id="rId14"/>
+      <p:boldItalic r:id="rId15"/>
     </p:embeddedFont>
   </p:embeddedFontLst>
   <p:defaultTextStyle>
@@ -259,10 +260,1008 @@
       <p15:sldGuideLst xmlns:p15="http://schemas.microsoft.com/office/powerpoint/2012/main"/>
     </p:ext>
     <p:ext uri="http://customooxmlschemas.google.com/">
-      <go:slidesCustomData xmlns="" xmlns:mc="http://schemas.openxmlformats.org/markup-compatibility/2006" xmlns:mv="urn:schemas-microsoft-com:mac:vml" xmlns:c="http://schemas.openxmlformats.org/drawingml/2006/chart" xmlns:dgm="http://schemas.openxmlformats.org/drawingml/2006/diagram" xmlns:o="urn:schemas-microsoft-com:office:office" xmlns:v="urn:schemas-microsoft-com:vml" xmlns:pvml="urn:schemas-microsoft-com:office:powerpoint" xmlns:com="http://schemas.openxmlformats.org/drawingml/2006/compatibility" xmlns:p14="http://schemas.microsoft.com/office/powerpoint/2010/main" xmlns:p15="http://schemas.microsoft.com/office/powerpoint/2012/main" xmlns:ahyp="http://schemas.microsoft.com/office/drawing/2018/hyperlinkcolor" xmlns:go="http://customooxmlschemas.google.com/" r:id="rId27" roundtripDataSignature="AMtx7mh/RxUDWAuUsRFnA9Bz2Uw6uLY8sQ=="/>
+      <go:slidesCustomData xmlns:go="http://customooxmlschemas.google.com/" xmlns:ahyp="http://schemas.microsoft.com/office/drawing/2018/hyperlinkcolor" xmlns:p15="http://schemas.microsoft.com/office/powerpoint/2012/main" xmlns:p14="http://schemas.microsoft.com/office/powerpoint/2010/main" xmlns:com="http://schemas.openxmlformats.org/drawingml/2006/compatibility" xmlns:pvml="urn:schemas-microsoft-com:office:powerpoint" xmlns:v="urn:schemas-microsoft-com:vml" xmlns:o="urn:schemas-microsoft-com:office:office" xmlns:dgm="http://schemas.openxmlformats.org/drawingml/2006/diagram" xmlns:c="http://schemas.openxmlformats.org/drawingml/2006/chart" xmlns:mv="urn:schemas-microsoft-com:mac:vml" xmlns:mc="http://schemas.openxmlformats.org/markup-compatibility/2006" xmlns="" r:id="rId27" roundtripDataSignature="AMtx7mh/RxUDWAuUsRFnA9Bz2Uw6uLY8sQ=="/>
     </p:ext>
   </p:extLst>
 </p:presentation>
+</file>
+
+<file path=ppt/charts/chart1.xml><?xml version="1.0" encoding="utf-8"?>
+<c:chartSpace xmlns:c="http://schemas.openxmlformats.org/drawingml/2006/chart" xmlns:a="http://schemas.openxmlformats.org/drawingml/2006/main" xmlns:r="http://schemas.openxmlformats.org/officeDocument/2006/relationships" xmlns:c16r2="http://schemas.microsoft.com/office/drawing/2015/06/chart">
+  <c:date1904 val="0"/>
+  <c:lang val="de-DE"/>
+  <c:roundedCorners val="0"/>
+  <mc:AlternateContent xmlns:mc="http://schemas.openxmlformats.org/markup-compatibility/2006">
+    <mc:Choice xmlns:c14="http://schemas.microsoft.com/office/drawing/2007/8/2/chart" Requires="c14">
+      <c14:style val="102"/>
+    </mc:Choice>
+    <mc:Fallback>
+      <c:style val="2"/>
+    </mc:Fallback>
+  </mc:AlternateContent>
+  <c:chart>
+    <c:title>
+      <c:tx>
+        <c:rich>
+          <a:bodyPr rot="0" spcFirstLastPara="1" vertOverflow="ellipsis" vert="horz" wrap="square" anchor="ctr" anchorCtr="1"/>
+          <a:lstStyle/>
+          <a:p>
+            <a:pPr>
+              <a:defRPr sz="1862" b="1" i="0" u="none" strike="noStrike" kern="1200" spc="0" baseline="0">
+                <a:solidFill>
+                  <a:schemeClr val="bg1"/>
+                </a:solidFill>
+                <a:latin typeface="Avenir"/>
+                <a:ea typeface="+mn-ea"/>
+                <a:cs typeface="+mn-cs"/>
+              </a:defRPr>
+            </a:pPr>
+            <a:r>
+              <a:rPr lang="en-US" b="1" dirty="0" err="1">
+                <a:solidFill>
+                  <a:schemeClr val="bg1"/>
+                </a:solidFill>
+                <a:latin typeface="Avenir"/>
+              </a:rPr>
+              <a:t>Anteil</a:t>
+            </a:r>
+            <a:r>
+              <a:rPr lang="en-US" b="1" dirty="0">
+                <a:solidFill>
+                  <a:schemeClr val="bg1"/>
+                </a:solidFill>
+                <a:latin typeface="Avenir"/>
+              </a:rPr>
+              <a:t> der</a:t>
+            </a:r>
+            <a:r>
+              <a:rPr lang="en-US" b="1" baseline="0" dirty="0">
+                <a:solidFill>
+                  <a:schemeClr val="bg1"/>
+                </a:solidFill>
+                <a:latin typeface="Avenir"/>
+              </a:rPr>
+              <a:t> </a:t>
+            </a:r>
+            <a:r>
+              <a:rPr lang="en-US" b="1" baseline="0" dirty="0" err="1">
+                <a:solidFill>
+                  <a:schemeClr val="bg1"/>
+                </a:solidFill>
+                <a:latin typeface="Avenir"/>
+              </a:rPr>
+              <a:t>korrekt</a:t>
+            </a:r>
+            <a:r>
+              <a:rPr lang="en-US" b="1" baseline="0" dirty="0">
+                <a:solidFill>
+                  <a:schemeClr val="bg1"/>
+                </a:solidFill>
+                <a:latin typeface="Avenir"/>
+              </a:rPr>
+              <a:t> </a:t>
+            </a:r>
+            <a:r>
+              <a:rPr lang="en-US" b="1" baseline="0" dirty="0" err="1">
+                <a:solidFill>
+                  <a:schemeClr val="bg1"/>
+                </a:solidFill>
+                <a:latin typeface="Avenir"/>
+              </a:rPr>
+              <a:t>klassifizierten</a:t>
+            </a:r>
+            <a:r>
+              <a:rPr lang="en-US" b="1" baseline="0" dirty="0">
+                <a:solidFill>
+                  <a:schemeClr val="bg1"/>
+                </a:solidFill>
+                <a:latin typeface="Avenir"/>
+              </a:rPr>
+              <a:t> Mails</a:t>
+            </a:r>
+            <a:endParaRPr lang="en-US" b="1" dirty="0">
+              <a:solidFill>
+                <a:schemeClr val="bg1"/>
+              </a:solidFill>
+              <a:latin typeface="Avenir"/>
+            </a:endParaRPr>
+          </a:p>
+        </c:rich>
+      </c:tx>
+      <c:overlay val="0"/>
+      <c:spPr>
+        <a:noFill/>
+        <a:ln>
+          <a:noFill/>
+        </a:ln>
+        <a:effectLst/>
+      </c:spPr>
+      <c:txPr>
+        <a:bodyPr rot="0" spcFirstLastPara="1" vertOverflow="ellipsis" vert="horz" wrap="square" anchor="ctr" anchorCtr="1"/>
+        <a:lstStyle/>
+        <a:p>
+          <a:pPr>
+            <a:defRPr sz="1862" b="1" i="0" u="none" strike="noStrike" kern="1200" spc="0" baseline="0">
+              <a:solidFill>
+                <a:schemeClr val="bg1"/>
+              </a:solidFill>
+              <a:latin typeface="Avenir"/>
+              <a:ea typeface="+mn-ea"/>
+              <a:cs typeface="+mn-cs"/>
+            </a:defRPr>
+          </a:pPr>
+          <a:endParaRPr lang="en-US"/>
+        </a:p>
+      </c:txPr>
+    </c:title>
+    <c:autoTitleDeleted val="0"/>
+    <c:plotArea>
+      <c:layout/>
+      <c:barChart>
+        <c:barDir val="col"/>
+        <c:grouping val="clustered"/>
+        <c:varyColors val="0"/>
+        <c:ser>
+          <c:idx val="0"/>
+          <c:order val="0"/>
+          <c:tx>
+            <c:strRef>
+              <c:f>Tabelle1!$B$1</c:f>
+              <c:strCache>
+                <c:ptCount val="1"/>
+                <c:pt idx="0">
+                  <c:v>Spalte1</c:v>
+                </c:pt>
+              </c:strCache>
+            </c:strRef>
+          </c:tx>
+          <c:spPr>
+            <a:solidFill>
+              <a:schemeClr val="accent1"/>
+            </a:solidFill>
+            <a:ln>
+              <a:noFill/>
+            </a:ln>
+            <a:effectLst/>
+          </c:spPr>
+          <c:invertIfNegative val="0"/>
+          <c:dPt>
+            <c:idx val="1"/>
+            <c:invertIfNegative val="0"/>
+            <c:bubble3D val="0"/>
+            <c:spPr>
+              <a:solidFill>
+                <a:schemeClr val="accent1">
+                  <a:lumMod val="75000"/>
+                </a:schemeClr>
+              </a:solidFill>
+              <a:ln>
+                <a:noFill/>
+              </a:ln>
+              <a:effectLst/>
+            </c:spPr>
+            <c:extLst>
+              <c:ext xmlns:c16="http://schemas.microsoft.com/office/drawing/2014/chart" uri="{C3380CC4-5D6E-409C-BE32-E72D297353CC}">
+                <c16:uniqueId val="{00000004-70C6-4FF6-9E86-C5DE846DFB59}"/>
+              </c:ext>
+            </c:extLst>
+          </c:dPt>
+          <c:dPt>
+            <c:idx val="2"/>
+            <c:invertIfNegative val="0"/>
+            <c:bubble3D val="0"/>
+            <c:spPr>
+              <a:solidFill>
+                <a:schemeClr val="accent1">
+                  <a:lumMod val="50000"/>
+                </a:schemeClr>
+              </a:solidFill>
+              <a:ln>
+                <a:noFill/>
+              </a:ln>
+              <a:effectLst/>
+            </c:spPr>
+            <c:extLst>
+              <c:ext xmlns:c16="http://schemas.microsoft.com/office/drawing/2014/chart" uri="{C3380CC4-5D6E-409C-BE32-E72D297353CC}">
+                <c16:uniqueId val="{00000005-70C6-4FF6-9E86-C5DE846DFB59}"/>
+              </c:ext>
+            </c:extLst>
+          </c:dPt>
+          <c:dLbls>
+            <c:spPr>
+              <a:noFill/>
+              <a:ln>
+                <a:noFill/>
+              </a:ln>
+              <a:effectLst/>
+            </c:spPr>
+            <c:txPr>
+              <a:bodyPr rot="0" spcFirstLastPara="1" vertOverflow="ellipsis" vert="horz" wrap="square" lIns="38100" tIns="19050" rIns="38100" bIns="19050" anchor="ctr" anchorCtr="1">
+                <a:spAutoFit/>
+              </a:bodyPr>
+              <a:lstStyle/>
+              <a:p>
+                <a:pPr>
+                  <a:defRPr sz="1197" b="1" i="0" u="none" strike="noStrike" kern="1200" baseline="0">
+                    <a:solidFill>
+                      <a:schemeClr val="bg1"/>
+                    </a:solidFill>
+                    <a:latin typeface="Avenir"/>
+                    <a:ea typeface="+mn-ea"/>
+                    <a:cs typeface="+mn-cs"/>
+                  </a:defRPr>
+                </a:pPr>
+                <a:endParaRPr lang="en-US"/>
+              </a:p>
+            </c:txPr>
+            <c:dLblPos val="outEnd"/>
+            <c:showLegendKey val="0"/>
+            <c:showVal val="1"/>
+            <c:showCatName val="0"/>
+            <c:showSerName val="0"/>
+            <c:showPercent val="0"/>
+            <c:showBubbleSize val="0"/>
+            <c:showLeaderLines val="0"/>
+            <c:extLst>
+              <c:ext xmlns:c15="http://schemas.microsoft.com/office/drawing/2012/chart" uri="{CE6537A1-D6FC-4f65-9D91-7224C49458BB}">
+                <c15:showLeaderLines val="1"/>
+                <c15:leaderLines>
+                  <c:spPr>
+                    <a:ln w="9525" cap="flat" cmpd="sng" algn="ctr">
+                      <a:solidFill>
+                        <a:schemeClr val="tx1">
+                          <a:lumMod val="35000"/>
+                          <a:lumOff val="65000"/>
+                        </a:schemeClr>
+                      </a:solidFill>
+                      <a:round/>
+                    </a:ln>
+                    <a:effectLst/>
+                  </c:spPr>
+                </c15:leaderLines>
+              </c:ext>
+            </c:extLst>
+          </c:dLbls>
+          <c:cat>
+            <c:strRef>
+              <c:f>Tabelle1!$A$2:$A$4</c:f>
+              <c:strCache>
+                <c:ptCount val="3"/>
+                <c:pt idx="0">
+                  <c:v>500 Mails</c:v>
+                </c:pt>
+                <c:pt idx="1">
+                  <c:v>5.000 Mails</c:v>
+                </c:pt>
+                <c:pt idx="2">
+                  <c:v>10.000 Mails</c:v>
+                </c:pt>
+              </c:strCache>
+            </c:strRef>
+          </c:cat>
+          <c:val>
+            <c:numRef>
+              <c:f>Tabelle1!$B$2:$B$4</c:f>
+              <c:numCache>
+                <c:formatCode>0%</c:formatCode>
+                <c:ptCount val="3"/>
+                <c:pt idx="0">
+                  <c:v>0.78</c:v>
+                </c:pt>
+                <c:pt idx="1">
+                  <c:v>0.9</c:v>
+                </c:pt>
+                <c:pt idx="2">
+                  <c:v>0.92</c:v>
+                </c:pt>
+              </c:numCache>
+            </c:numRef>
+          </c:val>
+          <c:extLst>
+            <c:ext xmlns:c16="http://schemas.microsoft.com/office/drawing/2014/chart" uri="{C3380CC4-5D6E-409C-BE32-E72D297353CC}">
+              <c16:uniqueId val="{00000000-70C6-4FF6-9E86-C5DE846DFB59}"/>
+            </c:ext>
+          </c:extLst>
+        </c:ser>
+        <c:dLbls>
+          <c:dLblPos val="outEnd"/>
+          <c:showLegendKey val="0"/>
+          <c:showVal val="1"/>
+          <c:showCatName val="0"/>
+          <c:showSerName val="0"/>
+          <c:showPercent val="0"/>
+          <c:showBubbleSize val="0"/>
+        </c:dLbls>
+        <c:gapWidth val="219"/>
+        <c:overlap val="-27"/>
+        <c:axId val="439601183"/>
+        <c:axId val="439593695"/>
+      </c:barChart>
+      <c:catAx>
+        <c:axId val="439601183"/>
+        <c:scaling>
+          <c:orientation val="minMax"/>
+        </c:scaling>
+        <c:delete val="0"/>
+        <c:axPos val="b"/>
+        <c:numFmt formatCode="General" sourceLinked="1"/>
+        <c:majorTickMark val="none"/>
+        <c:minorTickMark val="none"/>
+        <c:tickLblPos val="nextTo"/>
+        <c:spPr>
+          <a:noFill/>
+          <a:ln w="9525" cap="flat" cmpd="sng" algn="ctr">
+            <a:solidFill>
+              <a:schemeClr val="tx1">
+                <a:lumMod val="15000"/>
+                <a:lumOff val="85000"/>
+              </a:schemeClr>
+            </a:solidFill>
+            <a:round/>
+          </a:ln>
+          <a:effectLst/>
+        </c:spPr>
+        <c:txPr>
+          <a:bodyPr rot="-60000000" spcFirstLastPara="1" vertOverflow="ellipsis" vert="horz" wrap="square" anchor="ctr" anchorCtr="1"/>
+          <a:lstStyle/>
+          <a:p>
+            <a:pPr>
+              <a:defRPr sz="1197" b="1" i="0" u="none" strike="noStrike" kern="1200" baseline="0">
+                <a:solidFill>
+                  <a:schemeClr val="bg1"/>
+                </a:solidFill>
+                <a:latin typeface="Avenir"/>
+                <a:ea typeface="+mn-ea"/>
+                <a:cs typeface="+mn-cs"/>
+              </a:defRPr>
+            </a:pPr>
+            <a:endParaRPr lang="en-US"/>
+          </a:p>
+        </c:txPr>
+        <c:crossAx val="439593695"/>
+        <c:crosses val="autoZero"/>
+        <c:auto val="1"/>
+        <c:lblAlgn val="ctr"/>
+        <c:lblOffset val="100"/>
+        <c:noMultiLvlLbl val="0"/>
+      </c:catAx>
+      <c:valAx>
+        <c:axId val="439593695"/>
+        <c:scaling>
+          <c:orientation val="minMax"/>
+          <c:min val="0"/>
+        </c:scaling>
+        <c:delete val="0"/>
+        <c:axPos val="l"/>
+        <c:majorGridlines>
+          <c:spPr>
+            <a:ln w="9525" cap="flat" cmpd="sng" algn="ctr">
+              <a:solidFill>
+                <a:schemeClr val="tx1">
+                  <a:lumMod val="15000"/>
+                  <a:lumOff val="85000"/>
+                </a:schemeClr>
+              </a:solidFill>
+              <a:round/>
+            </a:ln>
+            <a:effectLst/>
+          </c:spPr>
+        </c:majorGridlines>
+        <c:numFmt formatCode="0%" sourceLinked="1"/>
+        <c:majorTickMark val="none"/>
+        <c:minorTickMark val="none"/>
+        <c:tickLblPos val="nextTo"/>
+        <c:spPr>
+          <a:noFill/>
+          <a:ln>
+            <a:noFill/>
+          </a:ln>
+          <a:effectLst/>
+        </c:spPr>
+        <c:txPr>
+          <a:bodyPr rot="-60000000" spcFirstLastPara="1" vertOverflow="ellipsis" vert="horz" wrap="square" anchor="ctr" anchorCtr="1"/>
+          <a:lstStyle/>
+          <a:p>
+            <a:pPr>
+              <a:defRPr sz="1197" b="1" i="0" u="none" strike="noStrike" kern="1200" baseline="0">
+                <a:solidFill>
+                  <a:schemeClr val="bg1"/>
+                </a:solidFill>
+                <a:latin typeface="Avenir"/>
+                <a:ea typeface="+mn-ea"/>
+                <a:cs typeface="+mn-cs"/>
+              </a:defRPr>
+            </a:pPr>
+            <a:endParaRPr lang="en-US"/>
+          </a:p>
+        </c:txPr>
+        <c:crossAx val="439601183"/>
+        <c:crosses val="autoZero"/>
+        <c:crossBetween val="between"/>
+      </c:valAx>
+      <c:spPr>
+        <a:noFill/>
+        <a:ln>
+          <a:noFill/>
+        </a:ln>
+        <a:effectLst/>
+      </c:spPr>
+    </c:plotArea>
+    <c:plotVisOnly val="1"/>
+    <c:dispBlanksAs val="gap"/>
+    <c:extLst>
+      <c:ext xmlns:c16r3="http://schemas.microsoft.com/office/drawing/2017/03/chart" uri="{56B9EC1D-385E-4148-901F-78D8002777C0}">
+        <c16r3:dataDisplayOptions16>
+          <c16r3:dispNaAsBlank val="1"/>
+        </c16r3:dataDisplayOptions16>
+      </c:ext>
+    </c:extLst>
+    <c:showDLblsOverMax val="0"/>
+  </c:chart>
+  <c:spPr>
+    <a:noFill/>
+    <a:ln>
+      <a:noFill/>
+    </a:ln>
+    <a:effectLst/>
+  </c:spPr>
+  <c:txPr>
+    <a:bodyPr/>
+    <a:lstStyle/>
+    <a:p>
+      <a:pPr>
+        <a:defRPr/>
+      </a:pPr>
+      <a:endParaRPr lang="en-US"/>
+    </a:p>
+  </c:txPr>
+  <c:externalData r:id="rId3">
+    <c:autoUpdate val="0"/>
+  </c:externalData>
+</c:chartSpace>
+</file>
+
+<file path=ppt/charts/colors1.xml><?xml version="1.0" encoding="utf-8"?>
+<cs:colorStyle xmlns:cs="http://schemas.microsoft.com/office/drawing/2012/chartStyle" xmlns:a="http://schemas.openxmlformats.org/drawingml/2006/main" meth="cycle" id="10">
+  <a:schemeClr val="accent1"/>
+  <a:schemeClr val="accent2"/>
+  <a:schemeClr val="accent3"/>
+  <a:schemeClr val="accent4"/>
+  <a:schemeClr val="accent5"/>
+  <a:schemeClr val="accent6"/>
+  <cs:variation/>
+  <cs:variation>
+    <a:lumMod val="60000"/>
+  </cs:variation>
+  <cs:variation>
+    <a:lumMod val="80000"/>
+    <a:lumOff val="20000"/>
+  </cs:variation>
+  <cs:variation>
+    <a:lumMod val="80000"/>
+  </cs:variation>
+  <cs:variation>
+    <a:lumMod val="60000"/>
+    <a:lumOff val="40000"/>
+  </cs:variation>
+  <cs:variation>
+    <a:lumMod val="50000"/>
+  </cs:variation>
+  <cs:variation>
+    <a:lumMod val="70000"/>
+    <a:lumOff val="30000"/>
+  </cs:variation>
+  <cs:variation>
+    <a:lumMod val="70000"/>
+  </cs:variation>
+  <cs:variation>
+    <a:lumMod val="50000"/>
+    <a:lumOff val="50000"/>
+  </cs:variation>
+</cs:colorStyle>
+</file>
+
+<file path=ppt/charts/style1.xml><?xml version="1.0" encoding="utf-8"?>
+<cs:chartStyle xmlns:cs="http://schemas.microsoft.com/office/drawing/2012/chartStyle" xmlns:a="http://schemas.openxmlformats.org/drawingml/2006/main" id="201">
+  <cs:axisTitle>
+    <cs:lnRef idx="0"/>
+    <cs:fillRef idx="0"/>
+    <cs:effectRef idx="0"/>
+    <cs:fontRef idx="minor">
+      <a:schemeClr val="tx1">
+        <a:lumMod val="65000"/>
+        <a:lumOff val="35000"/>
+      </a:schemeClr>
+    </cs:fontRef>
+    <cs:defRPr sz="1330" kern="1200"/>
+  </cs:axisTitle>
+  <cs:categoryAxis>
+    <cs:lnRef idx="0"/>
+    <cs:fillRef idx="0"/>
+    <cs:effectRef idx="0"/>
+    <cs:fontRef idx="minor">
+      <a:schemeClr val="tx1">
+        <a:lumMod val="65000"/>
+        <a:lumOff val="35000"/>
+      </a:schemeClr>
+    </cs:fontRef>
+    <cs:spPr>
+      <a:ln w="9525" cap="flat" cmpd="sng" algn="ctr">
+        <a:solidFill>
+          <a:schemeClr val="tx1">
+            <a:lumMod val="15000"/>
+            <a:lumOff val="85000"/>
+          </a:schemeClr>
+        </a:solidFill>
+        <a:round/>
+      </a:ln>
+    </cs:spPr>
+    <cs:defRPr sz="1197" kern="1200"/>
+  </cs:categoryAxis>
+  <cs:chartArea mods="allowNoFillOverride allowNoLineOverride">
+    <cs:lnRef idx="0"/>
+    <cs:fillRef idx="0"/>
+    <cs:effectRef idx="0"/>
+    <cs:fontRef idx="minor">
+      <a:schemeClr val="tx1"/>
+    </cs:fontRef>
+    <cs:spPr>
+      <a:solidFill>
+        <a:schemeClr val="bg1"/>
+      </a:solidFill>
+      <a:ln w="9525" cap="flat" cmpd="sng" algn="ctr">
+        <a:solidFill>
+          <a:schemeClr val="tx1">
+            <a:lumMod val="15000"/>
+            <a:lumOff val="85000"/>
+          </a:schemeClr>
+        </a:solidFill>
+        <a:round/>
+      </a:ln>
+    </cs:spPr>
+    <cs:defRPr sz="1330" kern="1200"/>
+  </cs:chartArea>
+  <cs:dataLabel>
+    <cs:lnRef idx="0"/>
+    <cs:fillRef idx="0"/>
+    <cs:effectRef idx="0"/>
+    <cs:fontRef idx="minor">
+      <a:schemeClr val="tx1">
+        <a:lumMod val="75000"/>
+        <a:lumOff val="25000"/>
+      </a:schemeClr>
+    </cs:fontRef>
+    <cs:defRPr sz="1197" kern="1200"/>
+  </cs:dataLabel>
+  <cs:dataLabelCallout>
+    <cs:lnRef idx="0"/>
+    <cs:fillRef idx="0"/>
+    <cs:effectRef idx="0"/>
+    <cs:fontRef idx="minor">
+      <a:schemeClr val="dk1">
+        <a:lumMod val="65000"/>
+        <a:lumOff val="35000"/>
+      </a:schemeClr>
+    </cs:fontRef>
+    <cs:spPr>
+      <a:solidFill>
+        <a:schemeClr val="lt1"/>
+      </a:solidFill>
+      <a:ln>
+        <a:solidFill>
+          <a:schemeClr val="dk1">
+            <a:lumMod val="25000"/>
+            <a:lumOff val="75000"/>
+          </a:schemeClr>
+        </a:solidFill>
+      </a:ln>
+    </cs:spPr>
+    <cs:defRPr sz="1197" kern="1200"/>
+    <cs:bodyPr rot="0" spcFirstLastPara="1" vertOverflow="clip" horzOverflow="clip" vert="horz" wrap="square" lIns="36576" tIns="18288" rIns="36576" bIns="18288" anchor="ctr" anchorCtr="1">
+      <a:spAutoFit/>
+    </cs:bodyPr>
+  </cs:dataLabelCallout>
+  <cs:dataPoint>
+    <cs:lnRef idx="0"/>
+    <cs:fillRef idx="1">
+      <cs:styleClr val="auto"/>
+    </cs:fillRef>
+    <cs:effectRef idx="0"/>
+    <cs:fontRef idx="minor">
+      <a:schemeClr val="tx1"/>
+    </cs:fontRef>
+  </cs:dataPoint>
+  <cs:dataPoint3D>
+    <cs:lnRef idx="0"/>
+    <cs:fillRef idx="1">
+      <cs:styleClr val="auto"/>
+    </cs:fillRef>
+    <cs:effectRef idx="0"/>
+    <cs:fontRef idx="minor">
+      <a:schemeClr val="tx1"/>
+    </cs:fontRef>
+  </cs:dataPoint3D>
+  <cs:dataPointLine>
+    <cs:lnRef idx="0">
+      <cs:styleClr val="auto"/>
+    </cs:lnRef>
+    <cs:fillRef idx="1"/>
+    <cs:effectRef idx="0"/>
+    <cs:fontRef idx="minor">
+      <a:schemeClr val="tx1"/>
+    </cs:fontRef>
+    <cs:spPr>
+      <a:ln w="28575" cap="rnd">
+        <a:solidFill>
+          <a:schemeClr val="phClr"/>
+        </a:solidFill>
+        <a:round/>
+      </a:ln>
+    </cs:spPr>
+  </cs:dataPointLine>
+  <cs:dataPointMarker>
+    <cs:lnRef idx="0">
+      <cs:styleClr val="auto"/>
+    </cs:lnRef>
+    <cs:fillRef idx="1">
+      <cs:styleClr val="auto"/>
+    </cs:fillRef>
+    <cs:effectRef idx="0"/>
+    <cs:fontRef idx="minor">
+      <a:schemeClr val="tx1"/>
+    </cs:fontRef>
+    <cs:spPr>
+      <a:ln w="9525">
+        <a:solidFill>
+          <a:schemeClr val="phClr"/>
+        </a:solidFill>
+      </a:ln>
+    </cs:spPr>
+  </cs:dataPointMarker>
+  <cs:dataPointMarkerLayout symbol="circle" size="5"/>
+  <cs:dataPointWireframe>
+    <cs:lnRef idx="0">
+      <cs:styleClr val="auto"/>
+    </cs:lnRef>
+    <cs:fillRef idx="1"/>
+    <cs:effectRef idx="0"/>
+    <cs:fontRef idx="minor">
+      <a:schemeClr val="tx1"/>
+    </cs:fontRef>
+    <cs:spPr>
+      <a:ln w="9525" cap="rnd">
+        <a:solidFill>
+          <a:schemeClr val="phClr"/>
+        </a:solidFill>
+        <a:round/>
+      </a:ln>
+    </cs:spPr>
+  </cs:dataPointWireframe>
+  <cs:dataTable>
+    <cs:lnRef idx="0"/>
+    <cs:fillRef idx="0"/>
+    <cs:effectRef idx="0"/>
+    <cs:fontRef idx="minor">
+      <a:schemeClr val="tx1">
+        <a:lumMod val="65000"/>
+        <a:lumOff val="35000"/>
+      </a:schemeClr>
+    </cs:fontRef>
+    <cs:spPr>
+      <a:noFill/>
+      <a:ln w="9525" cap="flat" cmpd="sng" algn="ctr">
+        <a:solidFill>
+          <a:schemeClr val="tx1">
+            <a:lumMod val="15000"/>
+            <a:lumOff val="85000"/>
+          </a:schemeClr>
+        </a:solidFill>
+        <a:round/>
+      </a:ln>
+    </cs:spPr>
+    <cs:defRPr sz="1197" kern="1200"/>
+  </cs:dataTable>
+  <cs:downBar>
+    <cs:lnRef idx="0"/>
+    <cs:fillRef idx="0"/>
+    <cs:effectRef idx="0"/>
+    <cs:fontRef idx="minor">
+      <a:schemeClr val="dk1"/>
+    </cs:fontRef>
+    <cs:spPr>
+      <a:solidFill>
+        <a:schemeClr val="dk1">
+          <a:lumMod val="65000"/>
+          <a:lumOff val="35000"/>
+        </a:schemeClr>
+      </a:solidFill>
+      <a:ln w="9525">
+        <a:solidFill>
+          <a:schemeClr val="tx1">
+            <a:lumMod val="65000"/>
+            <a:lumOff val="35000"/>
+          </a:schemeClr>
+        </a:solidFill>
+      </a:ln>
+    </cs:spPr>
+  </cs:downBar>
+  <cs:dropLine>
+    <cs:lnRef idx="0"/>
+    <cs:fillRef idx="0"/>
+    <cs:effectRef idx="0"/>
+    <cs:fontRef idx="minor">
+      <a:schemeClr val="tx1"/>
+    </cs:fontRef>
+    <cs:spPr>
+      <a:ln w="9525" cap="flat" cmpd="sng" algn="ctr">
+        <a:solidFill>
+          <a:schemeClr val="tx1">
+            <a:lumMod val="35000"/>
+            <a:lumOff val="65000"/>
+          </a:schemeClr>
+        </a:solidFill>
+        <a:round/>
+      </a:ln>
+    </cs:spPr>
+  </cs:dropLine>
+  <cs:errorBar>
+    <cs:lnRef idx="0"/>
+    <cs:fillRef idx="0"/>
+    <cs:effectRef idx="0"/>
+    <cs:fontRef idx="minor">
+      <a:schemeClr val="tx1"/>
+    </cs:fontRef>
+    <cs:spPr>
+      <a:ln w="9525" cap="flat" cmpd="sng" algn="ctr">
+        <a:solidFill>
+          <a:schemeClr val="tx1">
+            <a:lumMod val="65000"/>
+            <a:lumOff val="35000"/>
+          </a:schemeClr>
+        </a:solidFill>
+        <a:round/>
+      </a:ln>
+    </cs:spPr>
+  </cs:errorBar>
+  <cs:floor>
+    <cs:lnRef idx="0"/>
+    <cs:fillRef idx="0"/>
+    <cs:effectRef idx="0"/>
+    <cs:fontRef idx="minor">
+      <a:schemeClr val="tx1"/>
+    </cs:fontRef>
+    <cs:spPr>
+      <a:noFill/>
+      <a:ln>
+        <a:noFill/>
+      </a:ln>
+    </cs:spPr>
+  </cs:floor>
+  <cs:gridlineMajor>
+    <cs:lnRef idx="0"/>
+    <cs:fillRef idx="0"/>
+    <cs:effectRef idx="0"/>
+    <cs:fontRef idx="minor">
+      <a:schemeClr val="tx1"/>
+    </cs:fontRef>
+    <cs:spPr>
+      <a:ln w="9525" cap="flat" cmpd="sng" algn="ctr">
+        <a:solidFill>
+          <a:schemeClr val="tx1">
+            <a:lumMod val="15000"/>
+            <a:lumOff val="85000"/>
+          </a:schemeClr>
+        </a:solidFill>
+        <a:round/>
+      </a:ln>
+    </cs:spPr>
+  </cs:gridlineMajor>
+  <cs:gridlineMinor>
+    <cs:lnRef idx="0"/>
+    <cs:fillRef idx="0"/>
+    <cs:effectRef idx="0"/>
+    <cs:fontRef idx="minor">
+      <a:schemeClr val="tx1"/>
+    </cs:fontRef>
+    <cs:spPr>
+      <a:ln w="9525" cap="flat" cmpd="sng" algn="ctr">
+        <a:solidFill>
+          <a:schemeClr val="tx1">
+            <a:lumMod val="5000"/>
+            <a:lumOff val="95000"/>
+          </a:schemeClr>
+        </a:solidFill>
+        <a:round/>
+      </a:ln>
+    </cs:spPr>
+  </cs:gridlineMinor>
+  <cs:hiLoLine>
+    <cs:lnRef idx="0"/>
+    <cs:fillRef idx="0"/>
+    <cs:effectRef idx="0"/>
+    <cs:fontRef idx="minor">
+      <a:schemeClr val="tx1"/>
+    </cs:fontRef>
+    <cs:spPr>
+      <a:ln w="9525" cap="flat" cmpd="sng" algn="ctr">
+        <a:solidFill>
+          <a:schemeClr val="tx1">
+            <a:lumMod val="75000"/>
+            <a:lumOff val="25000"/>
+          </a:schemeClr>
+        </a:solidFill>
+        <a:round/>
+      </a:ln>
+    </cs:spPr>
+  </cs:hiLoLine>
+  <cs:leaderLine>
+    <cs:lnRef idx="0"/>
+    <cs:fillRef idx="0"/>
+    <cs:effectRef idx="0"/>
+    <cs:fontRef idx="minor">
+      <a:schemeClr val="tx1"/>
+    </cs:fontRef>
+    <cs:spPr>
+      <a:ln w="9525" cap="flat" cmpd="sng" algn="ctr">
+        <a:solidFill>
+          <a:schemeClr val="tx1">
+            <a:lumMod val="35000"/>
+            <a:lumOff val="65000"/>
+          </a:schemeClr>
+        </a:solidFill>
+        <a:round/>
+      </a:ln>
+    </cs:spPr>
+  </cs:leaderLine>
+  <cs:legend>
+    <cs:lnRef idx="0"/>
+    <cs:fillRef idx="0"/>
+    <cs:effectRef idx="0"/>
+    <cs:fontRef idx="minor">
+      <a:schemeClr val="tx1">
+        <a:lumMod val="65000"/>
+        <a:lumOff val="35000"/>
+      </a:schemeClr>
+    </cs:fontRef>
+    <cs:defRPr sz="1197" kern="1200"/>
+  </cs:legend>
+  <cs:plotArea mods="allowNoFillOverride allowNoLineOverride">
+    <cs:lnRef idx="0"/>
+    <cs:fillRef idx="0"/>
+    <cs:effectRef idx="0"/>
+    <cs:fontRef idx="minor">
+      <a:schemeClr val="tx1"/>
+    </cs:fontRef>
+  </cs:plotArea>
+  <cs:plotArea3D mods="allowNoFillOverride allowNoLineOverride">
+    <cs:lnRef idx="0"/>
+    <cs:fillRef idx="0"/>
+    <cs:effectRef idx="0"/>
+    <cs:fontRef idx="minor">
+      <a:schemeClr val="tx1"/>
+    </cs:fontRef>
+  </cs:plotArea3D>
+  <cs:seriesAxis>
+    <cs:lnRef idx="0"/>
+    <cs:fillRef idx="0"/>
+    <cs:effectRef idx="0"/>
+    <cs:fontRef idx="minor">
+      <a:schemeClr val="tx1">
+        <a:lumMod val="65000"/>
+        <a:lumOff val="35000"/>
+      </a:schemeClr>
+    </cs:fontRef>
+    <cs:defRPr sz="1197" kern="1200"/>
+  </cs:seriesAxis>
+  <cs:seriesLine>
+    <cs:lnRef idx="0"/>
+    <cs:fillRef idx="0"/>
+    <cs:effectRef idx="0"/>
+    <cs:fontRef idx="minor">
+      <a:schemeClr val="tx1"/>
+    </cs:fontRef>
+    <cs:spPr>
+      <a:ln w="9525" cap="flat" cmpd="sng" algn="ctr">
+        <a:solidFill>
+          <a:schemeClr val="tx1">
+            <a:lumMod val="35000"/>
+            <a:lumOff val="65000"/>
+          </a:schemeClr>
+        </a:solidFill>
+        <a:round/>
+      </a:ln>
+    </cs:spPr>
+  </cs:seriesLine>
+  <cs:title>
+    <cs:lnRef idx="0"/>
+    <cs:fillRef idx="0"/>
+    <cs:effectRef idx="0"/>
+    <cs:fontRef idx="minor">
+      <a:schemeClr val="tx1">
+        <a:lumMod val="65000"/>
+        <a:lumOff val="35000"/>
+      </a:schemeClr>
+    </cs:fontRef>
+    <cs:defRPr sz="1862" b="0" kern="1200" spc="0" baseline="0"/>
+  </cs:title>
+  <cs:trendline>
+    <cs:lnRef idx="0">
+      <cs:styleClr val="auto"/>
+    </cs:lnRef>
+    <cs:fillRef idx="0"/>
+    <cs:effectRef idx="0"/>
+    <cs:fontRef idx="minor">
+      <a:schemeClr val="tx1"/>
+    </cs:fontRef>
+    <cs:spPr>
+      <a:ln w="19050" cap="rnd">
+        <a:solidFill>
+          <a:schemeClr val="phClr"/>
+        </a:solidFill>
+        <a:prstDash val="sysDot"/>
+      </a:ln>
+    </cs:spPr>
+  </cs:trendline>
+  <cs:trendlineLabel>
+    <cs:lnRef idx="0"/>
+    <cs:fillRef idx="0"/>
+    <cs:effectRef idx="0"/>
+    <cs:fontRef idx="minor">
+      <a:schemeClr val="tx1">
+        <a:lumMod val="65000"/>
+        <a:lumOff val="35000"/>
+      </a:schemeClr>
+    </cs:fontRef>
+    <cs:defRPr sz="1197" kern="1200"/>
+  </cs:trendlineLabel>
+  <cs:upBar>
+    <cs:lnRef idx="0"/>
+    <cs:fillRef idx="0"/>
+    <cs:effectRef idx="0"/>
+    <cs:fontRef idx="minor">
+      <a:schemeClr val="dk1"/>
+    </cs:fontRef>
+    <cs:spPr>
+      <a:solidFill>
+        <a:schemeClr val="lt1"/>
+      </a:solidFill>
+      <a:ln w="9525">
+        <a:solidFill>
+          <a:schemeClr val="tx1">
+            <a:lumMod val="15000"/>
+            <a:lumOff val="85000"/>
+          </a:schemeClr>
+        </a:solidFill>
+      </a:ln>
+    </cs:spPr>
+  </cs:upBar>
+  <cs:valueAxis>
+    <cs:lnRef idx="0"/>
+    <cs:fillRef idx="0"/>
+    <cs:effectRef idx="0"/>
+    <cs:fontRef idx="minor">
+      <a:schemeClr val="tx1">
+        <a:lumMod val="65000"/>
+        <a:lumOff val="35000"/>
+      </a:schemeClr>
+    </cs:fontRef>
+    <cs:defRPr sz="1197" kern="1200"/>
+  </cs:valueAxis>
+  <cs:wall>
+    <cs:lnRef idx="0"/>
+    <cs:fillRef idx="0"/>
+    <cs:effectRef idx="0"/>
+    <cs:fontRef idx="minor">
+      <a:schemeClr val="tx1"/>
+    </cs:fontRef>
+    <cs:spPr>
+      <a:noFill/>
+      <a:ln>
+        <a:noFill/>
+      </a:ln>
+    </cs:spPr>
+  </cs:wall>
+</cs:chartStyle>
 </file>
 
 <file path=ppt/notesMasters/notesMaster1.xml><?xml version="1.0" encoding="utf-8"?>
@@ -1872,6 +2871,11 @@
         </p:spPr>
       </p:sp>
     </p:spTree>
+    <p:extLst>
+      <p:ext uri="{BB962C8B-B14F-4D97-AF65-F5344CB8AC3E}">
+        <p14:creationId xmlns:p14="http://schemas.microsoft.com/office/powerpoint/2010/main" val="4042963179"/>
+      </p:ext>
+    </p:extLst>
   </p:cSld>
   <p:clrMapOvr>
     <a:masterClrMapping/>
@@ -1880,6 +2884,110 @@
 </file>
 
 <file path=ppt/notesSlides/notesSlide5.xml><?xml version="1.0" encoding="utf-8"?>
+<p:notes xmlns:a="http://schemas.openxmlformats.org/drawingml/2006/main" xmlns:r="http://schemas.openxmlformats.org/officeDocument/2006/relationships" xmlns:p="http://schemas.openxmlformats.org/presentationml/2006/main" showMasterSp="0" showMasterPhAnim="0">
+  <p:cSld>
+    <p:spTree>
+      <p:nvGrpSpPr>
+        <p:cNvPr id="1" name="Shape 303"/>
+        <p:cNvGrpSpPr/>
+        <p:nvPr/>
+      </p:nvGrpSpPr>
+      <p:grpSpPr>
+        <a:xfrm>
+          <a:off x="0" y="0"/>
+          <a:ext cx="0" cy="0"/>
+          <a:chOff x="0" y="0"/>
+          <a:chExt cx="0" cy="0"/>
+        </a:xfrm>
+      </p:grpSpPr>
+      <p:sp>
+        <p:nvSpPr>
+          <p:cNvPr id="304" name="Google Shape;304;p3:notes"/>
+          <p:cNvSpPr txBox="1">
+            <a:spLocks noGrp="1"/>
+          </p:cNvSpPr>
+          <p:nvPr>
+            <p:ph type="body" idx="1"/>
+          </p:nvPr>
+        </p:nvSpPr>
+        <p:spPr>
+          <a:xfrm>
+            <a:off x="685800" y="4400550"/>
+            <a:ext cx="5486400" cy="3600450"/>
+          </a:xfrm>
+          <a:prstGeom prst="rect">
+            <a:avLst/>
+          </a:prstGeom>
+        </p:spPr>
+        <p:txBody>
+          <a:bodyPr spcFirstLastPara="1" wrap="square" lIns="91425" tIns="45700" rIns="91425" bIns="45700" anchor="t" anchorCtr="0">
+            <a:noAutofit/>
+          </a:bodyPr>
+          <a:lstStyle/>
+          <a:p>
+            <a:pPr marL="0" lvl="0" indent="0" algn="l" rtl="0">
+              <a:spcBef>
+                <a:spcPts val="0"/>
+              </a:spcBef>
+              <a:spcAft>
+                <a:spcPts val="0"/>
+              </a:spcAft>
+              <a:buNone/>
+            </a:pPr>
+            <a:endParaRPr/>
+          </a:p>
+        </p:txBody>
+      </p:sp>
+      <p:sp>
+        <p:nvSpPr>
+          <p:cNvPr id="305" name="Google Shape;305;p3:notes"/>
+          <p:cNvSpPr>
+            <a:spLocks noGrp="1" noRot="1" noChangeAspect="1"/>
+          </p:cNvSpPr>
+          <p:nvPr>
+            <p:ph type="sldImg" idx="2"/>
+          </p:nvPr>
+        </p:nvSpPr>
+        <p:spPr>
+          <a:xfrm>
+            <a:off x="685800" y="1143000"/>
+            <a:ext cx="5486400" cy="3086100"/>
+          </a:xfrm>
+          <a:custGeom>
+            <a:avLst/>
+            <a:gdLst/>
+            <a:ahLst/>
+            <a:cxnLst/>
+            <a:rect l="l" t="t" r="r" b="b"/>
+            <a:pathLst>
+              <a:path w="120000" h="120000" extrusionOk="0">
+                <a:moveTo>
+                  <a:pt x="0" y="0"/>
+                </a:moveTo>
+                <a:lnTo>
+                  <a:pt x="120000" y="0"/>
+                </a:lnTo>
+                <a:lnTo>
+                  <a:pt x="120000" y="120000"/>
+                </a:lnTo>
+                <a:lnTo>
+                  <a:pt x="0" y="120000"/>
+                </a:lnTo>
+                <a:close/>
+              </a:path>
+            </a:pathLst>
+          </a:custGeom>
+        </p:spPr>
+      </p:sp>
+    </p:spTree>
+  </p:cSld>
+  <p:clrMapOvr>
+    <a:masterClrMapping/>
+  </p:clrMapOvr>
+</p:notes>
+</file>
+
+<file path=ppt/notesSlides/notesSlide6.xml><?xml version="1.0" encoding="utf-8"?>
 <p:notes xmlns:a="http://schemas.openxmlformats.org/drawingml/2006/main" xmlns:r="http://schemas.openxmlformats.org/officeDocument/2006/relationships" xmlns:p="http://schemas.openxmlformats.org/presentationml/2006/main" showMasterSp="0" showMasterPhAnim="0">
   <p:cSld>
     <p:spTree>
@@ -12906,16 +14014,8 @@
             </a:pPr>
             <a:r>
               <a:rPr lang="de-DE" sz="1600" dirty="0"/>
-              <a:t>Erste Tests mit simplen Implementierungen ohne Fine-Tuning</a:t>
+              <a:t>Erste Tests mit simplen Implementierungen ohne Fein-Optimierung</a:t>
             </a:r>
-          </a:p>
-          <a:p>
-            <a:pPr marL="0" indent="0">
-              <a:spcBef>
-                <a:spcPts val="0"/>
-              </a:spcBef>
-            </a:pPr>
-            <a:endParaRPr lang="de-DE" sz="1600" dirty="0"/>
           </a:p>
           <a:p>
             <a:pPr marL="0" indent="0">
@@ -12947,15 +14047,7 @@
             </a:r>
             <a:r>
               <a:rPr lang="de-DE" sz="1600" dirty="0"/>
-              <a:t>(</a:t>
-            </a:r>
-            <a:r>
-              <a:rPr lang="de-DE" sz="1600" dirty="0" err="1"/>
-              <a:t>Pre-Trained</a:t>
-            </a:r>
-            <a:r>
-              <a:rPr lang="de-DE" sz="1600" dirty="0"/>
-              <a:t> Transformer mit deutschem Sprachmodell als Basis)</a:t>
+              <a:t>(Vortrainierte Transformer mit deutschem Sprachmodell als Basis)</a:t>
             </a:r>
           </a:p>
           <a:p>
@@ -13369,7 +14461,7 @@
             </a:pPr>
             <a:r>
               <a:rPr lang="de-DE" sz="1600" dirty="0"/>
-              <a:t>Modell mit bester Performance wird zur Implementierung freigegeben</a:t>
+              <a:t>Modell mit höchster Genauigkeit wird zur Implementierung freigegeben</a:t>
             </a:r>
           </a:p>
           <a:p>
@@ -14046,6 +15138,278 @@
             </a:pPr>
             <a:r>
               <a:rPr lang="de-DE" dirty="0"/>
+              <a:t>Zuverlässigkeit</a:t>
+            </a:r>
+            <a:endParaRPr dirty="0"/>
+          </a:p>
+        </p:txBody>
+      </p:sp>
+      <p:sp>
+        <p:nvSpPr>
+          <p:cNvPr id="312" name="Google Shape;312;p3"/>
+          <p:cNvSpPr txBox="1">
+            <a:spLocks noGrp="1"/>
+          </p:cNvSpPr>
+          <p:nvPr>
+            <p:ph type="sldNum" idx="12"/>
+          </p:nvPr>
+        </p:nvSpPr>
+        <p:spPr>
+          <a:xfrm>
+            <a:off x="9127524" y="6356350"/>
+            <a:ext cx="2743200" cy="365125"/>
+          </a:xfrm>
+          <a:prstGeom prst="rect">
+            <a:avLst/>
+          </a:prstGeom>
+          <a:noFill/>
+          <a:ln>
+            <a:noFill/>
+          </a:ln>
+        </p:spPr>
+        <p:txBody>
+          <a:bodyPr spcFirstLastPara="1" wrap="square" lIns="91425" tIns="45700" rIns="91425" bIns="45700" anchor="ctr" anchorCtr="0">
+            <a:noAutofit/>
+          </a:bodyPr>
+          <a:lstStyle/>
+          <a:p>
+            <a:pPr marL="0" lvl="0" indent="0" algn="r" rtl="0">
+              <a:spcBef>
+                <a:spcPts val="0"/>
+              </a:spcBef>
+              <a:spcAft>
+                <a:spcPts val="0"/>
+              </a:spcAft>
+              <a:buNone/>
+            </a:pPr>
+            <a:fld id="{00000000-1234-1234-1234-123412341234}" type="slidenum">
+              <a:rPr lang="en-AT"/>
+              <a:t>4</a:t>
+            </a:fld>
+            <a:endParaRPr/>
+          </a:p>
+        </p:txBody>
+      </p:sp>
+      <p:graphicFrame>
+        <p:nvGraphicFramePr>
+          <p:cNvPr id="4" name="Diagramm 3">
+            <a:extLst>
+              <a:ext uri="{FF2B5EF4-FFF2-40B4-BE49-F238E27FC236}">
+                <a16:creationId xmlns:a16="http://schemas.microsoft.com/office/drawing/2014/main" id="{56917605-2CF5-41F8-95EF-0F92BDE4B4C6}"/>
+              </a:ext>
+            </a:extLst>
+          </p:cNvPr>
+          <p:cNvGraphicFramePr/>
+          <p:nvPr>
+            <p:extLst>
+              <p:ext uri="{D42A27DB-BD31-4B8C-83A1-F6EECF244321}">
+                <p14:modId xmlns:p14="http://schemas.microsoft.com/office/powerpoint/2010/main" val="955330493"/>
+              </p:ext>
+            </p:extLst>
+          </p:nvPr>
+        </p:nvGraphicFramePr>
+        <p:xfrm>
+          <a:off x="1625600" y="1391055"/>
+          <a:ext cx="8128000" cy="4795916"/>
+        </p:xfrm>
+        <a:graphic>
+          <a:graphicData uri="http://schemas.openxmlformats.org/drawingml/2006/chart">
+            <c:chart xmlns:c="http://schemas.openxmlformats.org/drawingml/2006/chart" xmlns:r="http://schemas.openxmlformats.org/officeDocument/2006/relationships" r:id="rId3"/>
+          </a:graphicData>
+        </a:graphic>
+      </p:graphicFrame>
+      <p:sp>
+        <p:nvSpPr>
+          <p:cNvPr id="5" name="Rechteck 4">
+            <a:extLst>
+              <a:ext uri="{FF2B5EF4-FFF2-40B4-BE49-F238E27FC236}">
+                <a16:creationId xmlns:a16="http://schemas.microsoft.com/office/drawing/2014/main" id="{ECFF733C-93B2-420A-A3D7-1483FB55715C}"/>
+              </a:ext>
+            </a:extLst>
+          </p:cNvPr>
+          <p:cNvSpPr/>
+          <p:nvPr/>
+        </p:nvSpPr>
+        <p:spPr>
+          <a:xfrm>
+            <a:off x="5500687" y="2328863"/>
+            <a:ext cx="807243" cy="452437"/>
+          </a:xfrm>
+          <a:prstGeom prst="rect">
+            <a:avLst/>
+          </a:prstGeom>
+          <a:solidFill>
+            <a:schemeClr val="bg2"/>
+          </a:solidFill>
+          <a:ln>
+            <a:solidFill>
+              <a:schemeClr val="bg1">
+                <a:lumMod val="50000"/>
+              </a:schemeClr>
+            </a:solidFill>
+            <a:prstDash val="sysDash"/>
+          </a:ln>
+        </p:spPr>
+        <p:style>
+          <a:lnRef idx="2">
+            <a:schemeClr val="accent1">
+              <a:shade val="50000"/>
+            </a:schemeClr>
+          </a:lnRef>
+          <a:fillRef idx="1">
+            <a:schemeClr val="accent1"/>
+          </a:fillRef>
+          <a:effectRef idx="0">
+            <a:schemeClr val="accent1"/>
+          </a:effectRef>
+          <a:fontRef idx="minor">
+            <a:schemeClr val="lt1"/>
+          </a:fontRef>
+        </p:style>
+        <p:txBody>
+          <a:bodyPr rtlCol="0" anchor="ctr"/>
+          <a:lstStyle/>
+          <a:p>
+            <a:pPr algn="ctr"/>
+            <a:endParaRPr lang="en-US"/>
+          </a:p>
+        </p:txBody>
+      </p:sp>
+      <p:sp>
+        <p:nvSpPr>
+          <p:cNvPr id="16" name="Rechteck 15">
+            <a:extLst>
+              <a:ext uri="{FF2B5EF4-FFF2-40B4-BE49-F238E27FC236}">
+                <a16:creationId xmlns:a16="http://schemas.microsoft.com/office/drawing/2014/main" id="{C2E9A029-30B7-4EBD-B03E-960098B7A3C0}"/>
+              </a:ext>
+            </a:extLst>
+          </p:cNvPr>
+          <p:cNvSpPr/>
+          <p:nvPr/>
+        </p:nvSpPr>
+        <p:spPr>
+          <a:xfrm>
+            <a:off x="7972424" y="2252663"/>
+            <a:ext cx="797720" cy="528637"/>
+          </a:xfrm>
+          <a:prstGeom prst="rect">
+            <a:avLst/>
+          </a:prstGeom>
+          <a:solidFill>
+            <a:schemeClr val="bg2"/>
+          </a:solidFill>
+          <a:ln>
+            <a:solidFill>
+              <a:schemeClr val="bg1">
+                <a:lumMod val="50000"/>
+              </a:schemeClr>
+            </a:solidFill>
+            <a:prstDash val="sysDash"/>
+          </a:ln>
+        </p:spPr>
+        <p:style>
+          <a:lnRef idx="2">
+            <a:schemeClr val="accent1">
+              <a:shade val="50000"/>
+            </a:schemeClr>
+          </a:lnRef>
+          <a:fillRef idx="1">
+            <a:schemeClr val="accent1"/>
+          </a:fillRef>
+          <a:effectRef idx="0">
+            <a:schemeClr val="accent1"/>
+          </a:effectRef>
+          <a:fontRef idx="minor">
+            <a:schemeClr val="lt1"/>
+          </a:fontRef>
+        </p:style>
+        <p:txBody>
+          <a:bodyPr rtlCol="0" anchor="ctr"/>
+          <a:lstStyle/>
+          <a:p>
+            <a:pPr algn="ctr"/>
+            <a:endParaRPr lang="en-US"/>
+          </a:p>
+        </p:txBody>
+      </p:sp>
+    </p:spTree>
+    <p:extLst>
+      <p:ext uri="{BB962C8B-B14F-4D97-AF65-F5344CB8AC3E}">
+        <p14:creationId xmlns:p14="http://schemas.microsoft.com/office/powerpoint/2010/main" val="2143007661"/>
+      </p:ext>
+    </p:extLst>
+  </p:cSld>
+  <p:clrMapOvr>
+    <a:masterClrMapping/>
+  </p:clrMapOvr>
+</p:sld>
+</file>
+
+<file path=ppt/slides/slide5.xml><?xml version="1.0" encoding="utf-8"?>
+<p:sld xmlns:a="http://schemas.openxmlformats.org/drawingml/2006/main" xmlns:r="http://schemas.openxmlformats.org/officeDocument/2006/relationships" xmlns:p="http://schemas.openxmlformats.org/presentationml/2006/main">
+  <p:cSld>
+    <p:spTree>
+      <p:nvGrpSpPr>
+        <p:cNvPr id="1" name="Shape 306"/>
+        <p:cNvGrpSpPr/>
+        <p:nvPr/>
+      </p:nvGrpSpPr>
+      <p:grpSpPr>
+        <a:xfrm>
+          <a:off x="0" y="0"/>
+          <a:ext cx="0" cy="0"/>
+          <a:chOff x="0" y="0"/>
+          <a:chExt cx="0" cy="0"/>
+        </a:xfrm>
+      </p:grpSpPr>
+      <p:sp>
+        <p:nvSpPr>
+          <p:cNvPr id="307" name="Google Shape;307;p3"/>
+          <p:cNvSpPr txBox="1">
+            <a:spLocks noGrp="1"/>
+          </p:cNvSpPr>
+          <p:nvPr>
+            <p:ph type="title"/>
+          </p:nvPr>
+        </p:nvSpPr>
+        <p:spPr>
+          <a:xfrm>
+            <a:off x="321273" y="327455"/>
+            <a:ext cx="11541210" cy="827902"/>
+          </a:xfrm>
+          <a:prstGeom prst="rect">
+            <a:avLst/>
+          </a:prstGeom>
+          <a:noFill/>
+          <a:ln>
+            <a:noFill/>
+          </a:ln>
+        </p:spPr>
+        <p:txBody>
+          <a:bodyPr spcFirstLastPara="1" wrap="square" lIns="91425" tIns="45700" rIns="91425" bIns="45700" anchor="ctr" anchorCtr="0">
+            <a:normAutofit/>
+          </a:bodyPr>
+          <a:lstStyle/>
+          <a:p>
+            <a:pPr marL="0" lvl="0" indent="0" algn="l" rtl="0">
+              <a:lnSpc>
+                <a:spcPct val="90000"/>
+              </a:lnSpc>
+              <a:spcBef>
+                <a:spcPts val="0"/>
+              </a:spcBef>
+              <a:spcAft>
+                <a:spcPts val="0"/>
+              </a:spcAft>
+              <a:buClr>
+                <a:schemeClr val="accent1"/>
+              </a:buClr>
+              <a:buSzPts val="3800"/>
+              <a:buFont typeface="Avenir"/>
+              <a:buNone/>
+            </a:pPr>
+            <a:r>
+              <a:rPr lang="de-DE" dirty="0"/>
               <a:t>Zukünftige Möglichkeiten</a:t>
             </a:r>
             <a:endParaRPr dirty="0"/>
@@ -14092,7 +15456,7 @@
             </a:pPr>
             <a:fld id="{00000000-1234-1234-1234-123412341234}" type="slidenum">
               <a:rPr lang="en-AT"/>
-              <a:t>4</a:t>
+              <a:t>5</a:t>
             </a:fld>
             <a:endParaRPr/>
           </a:p>
@@ -14118,6 +15482,9 @@
           <a:prstGeom prst="round2DiagRect">
             <a:avLst/>
           </a:prstGeom>
+          <a:ln>
+            <a:noFill/>
+          </a:ln>
         </p:spPr>
         <p:style>
           <a:lnRef idx="2">
@@ -14178,6 +15545,9 @@
           <a:prstGeom prst="round2DiagRect">
             <a:avLst/>
           </a:prstGeom>
+          <a:ln>
+            <a:noFill/>
+          </a:ln>
         </p:spPr>
         <p:style>
           <a:lnRef idx="2">
@@ -14272,6 +15642,9 @@
               <a:spcAft>
                 <a:spcPts val="600"/>
               </a:spcAft>
+              <a:buClr>
+                <a:schemeClr val="accent1"/>
+              </a:buClr>
               <a:buFont typeface="Wingdings" panose="05000000000000000000" pitchFamily="2" charset="2"/>
               <a:buChar char="§"/>
             </a:pPr>
@@ -14290,6 +15663,9 @@
               <a:spcAft>
                 <a:spcPts val="600"/>
               </a:spcAft>
+              <a:buClr>
+                <a:schemeClr val="accent1"/>
+              </a:buClr>
               <a:buFont typeface="Wingdings" panose="05000000000000000000" pitchFamily="2" charset="2"/>
               <a:buChar char="§"/>
             </a:pPr>
@@ -14365,6 +15741,9 @@
               <a:spcAft>
                 <a:spcPts val="600"/>
               </a:spcAft>
+              <a:buClr>
+                <a:schemeClr val="accent1"/>
+              </a:buClr>
               <a:buFont typeface="Wingdings" panose="05000000000000000000" pitchFamily="2" charset="2"/>
               <a:buChar char="§"/>
             </a:pPr>
@@ -14383,6 +15762,9 @@
               <a:spcAft>
                 <a:spcPts val="600"/>
               </a:spcAft>
+              <a:buClr>
+                <a:schemeClr val="accent1"/>
+              </a:buClr>
               <a:buFont typeface="Wingdings" panose="05000000000000000000" pitchFamily="2" charset="2"/>
               <a:buChar char="§"/>
             </a:pPr>
@@ -14501,7 +15883,7 @@
 </p:sld>
 </file>
 
-<file path=ppt/slides/slide5.xml><?xml version="1.0" encoding="utf-8"?>
+<file path=ppt/slides/slide6.xml><?xml version="1.0" encoding="utf-8"?>
 <p:sld xmlns:a="http://schemas.openxmlformats.org/drawingml/2006/main" xmlns:r="http://schemas.openxmlformats.org/officeDocument/2006/relationships" xmlns:p="http://schemas.openxmlformats.org/presentationml/2006/main">
   <p:cSld>
     <p:spTree>
@@ -14628,7 +16010,7 @@
             </a:pPr>
             <a:fld id="{00000000-1234-1234-1234-123412341234}" type="slidenum">
               <a:rPr lang="en-AT"/>
-              <a:t>5</a:t>
+              <a:t>6</a:t>
             </a:fld>
             <a:endParaRPr/>
           </a:p>
@@ -15240,12 +16622,9 @@
 </file>
 
 <file path=customXml/item1.xml><?xml version="1.0" encoding="utf-8"?>
-<?mso-contentType ?>
-<FormTemplates xmlns="http://schemas.microsoft.com/sharepoint/v3/contenttype/forms">
-  <Display>DocumentLibraryForm</Display>
-  <Edit>DocumentLibraryForm</Edit>
-  <New>DocumentLibraryForm</New>
-</FormTemplates>
+<p:properties xmlns:p="http://schemas.microsoft.com/office/2006/metadata/properties" xmlns:xsi="http://www.w3.org/2001/XMLSchema-instance" xmlns:pc="http://schemas.microsoft.com/office/infopath/2007/PartnerControls">
+  <documentManagement/>
+</p:properties>
 </file>
 
 <file path=customXml/item2.xml><?xml version="1.0" encoding="utf-8"?>
@@ -15363,15 +16742,25 @@
 </file>
 
 <file path=customXml/item3.xml><?xml version="1.0" encoding="utf-8"?>
-<p:properties xmlns:p="http://schemas.microsoft.com/office/2006/metadata/properties" xmlns:xsi="http://www.w3.org/2001/XMLSchema-instance" xmlns:pc="http://schemas.microsoft.com/office/infopath/2007/PartnerControls">
-  <documentManagement/>
-</p:properties>
+<?mso-contentType ?>
+<FormTemplates xmlns="http://schemas.microsoft.com/sharepoint/v3/contenttype/forms">
+  <Display>DocumentLibraryForm</Display>
+  <Edit>DocumentLibraryForm</Edit>
+  <New>DocumentLibraryForm</New>
+</FormTemplates>
 </file>
 
 <file path=customXml/itemProps1.xml><?xml version="1.0" encoding="utf-8"?>
-<ds:datastoreItem xmlns:ds="http://schemas.openxmlformats.org/officeDocument/2006/customXml" ds:itemID="{0F4B8BE2-226C-405F-95CC-1C408EBB1D2F}">
+<ds:datastoreItem xmlns:ds="http://schemas.openxmlformats.org/officeDocument/2006/customXml" ds:itemID="{8421EA8F-03EA-4948-9356-E6224F28F49C}">
   <ds:schemaRefs>
-    <ds:schemaRef ds:uri="http://schemas.microsoft.com/sharepoint/v3/contenttype/forms"/>
+    <ds:schemaRef ds:uri="http://schemas.microsoft.com/office/infopath/2007/PartnerControls"/>
+    <ds:schemaRef ds:uri="http://schemas.microsoft.com/office/2006/documentManagement/types"/>
+    <ds:schemaRef ds:uri="http://schemas.openxmlformats.org/package/2006/metadata/core-properties"/>
+    <ds:schemaRef ds:uri="http://purl.org/dc/terms/"/>
+    <ds:schemaRef ds:uri="http://schemas.microsoft.com/office/2006/metadata/properties"/>
+    <ds:schemaRef ds:uri="http://www.w3.org/XML/1998/namespace"/>
+    <ds:schemaRef ds:uri="http://purl.org/dc/dcmitype/"/>
+    <ds:schemaRef ds:uri="http://purl.org/dc/elements/1.1/"/>
   </ds:schemaRefs>
 </ds:datastoreItem>
 </file>
@@ -15393,16 +16782,9 @@
 </file>
 
 <file path=customXml/itemProps3.xml><?xml version="1.0" encoding="utf-8"?>
-<ds:datastoreItem xmlns:ds="http://schemas.openxmlformats.org/officeDocument/2006/customXml" ds:itemID="{8421EA8F-03EA-4948-9356-E6224F28F49C}">
+<ds:datastoreItem xmlns:ds="http://schemas.openxmlformats.org/officeDocument/2006/customXml" ds:itemID="{0F4B8BE2-226C-405F-95CC-1C408EBB1D2F}">
   <ds:schemaRefs>
-    <ds:schemaRef ds:uri="http://schemas.microsoft.com/office/infopath/2007/PartnerControls"/>
-    <ds:schemaRef ds:uri="http://schemas.microsoft.com/office/2006/documentManagement/types"/>
-    <ds:schemaRef ds:uri="http://schemas.openxmlformats.org/package/2006/metadata/core-properties"/>
-    <ds:schemaRef ds:uri="http://purl.org/dc/terms/"/>
-    <ds:schemaRef ds:uri="http://schemas.microsoft.com/office/2006/metadata/properties"/>
-    <ds:schemaRef ds:uri="http://www.w3.org/XML/1998/namespace"/>
-    <ds:schemaRef ds:uri="http://purl.org/dc/dcmitype/"/>
-    <ds:schemaRef ds:uri="http://purl.org/dc/elements/1.1/"/>
+    <ds:schemaRef ds:uri="http://schemas.microsoft.com/sharepoint/v3/contenttype/forms"/>
   </ds:schemaRefs>
 </ds:datastoreItem>
 </file>